--- a/prezentacja_wstepnych_wynikow.pptx
+++ b/prezentacja_wstepnych_wynikow.pptx
@@ -7,14 +7,23 @@
   <p:sldIdLst>
     <p:sldId id="256" r:id="rId2"/>
     <p:sldId id="257" r:id="rId3"/>
-    <p:sldId id="258" r:id="rId4"/>
+    <p:sldId id="275" r:id="rId4"/>
     <p:sldId id="259" r:id="rId5"/>
     <p:sldId id="260" r:id="rId6"/>
     <p:sldId id="261" r:id="rId7"/>
-    <p:sldId id="262" r:id="rId8"/>
-    <p:sldId id="263" r:id="rId9"/>
+    <p:sldId id="263" r:id="rId8"/>
+    <p:sldId id="262" r:id="rId9"/>
     <p:sldId id="264" r:id="rId10"/>
     <p:sldId id="265" r:id="rId11"/>
+    <p:sldId id="266" r:id="rId12"/>
+    <p:sldId id="267" r:id="rId13"/>
+    <p:sldId id="268" r:id="rId14"/>
+    <p:sldId id="269" r:id="rId15"/>
+    <p:sldId id="270" r:id="rId16"/>
+    <p:sldId id="271" r:id="rId17"/>
+    <p:sldId id="272" r:id="rId18"/>
+    <p:sldId id="273" r:id="rId19"/>
+    <p:sldId id="274" r:id="rId20"/>
   </p:sldIdLst>
   <p:sldSz cx="12192000" cy="6858000"/>
   <p:notesSz cx="6858000" cy="9144000"/>
@@ -113,6 +122,11 @@
       </a:defRPr>
     </a:lvl9pPr>
   </p:defaultTextStyle>
+  <p:extLst>
+    <p:ext uri="{EFAFB233-063F-42B5-8137-9DF3F51BA10A}">
+      <p15:sldGuideLst xmlns:p15="http://schemas.microsoft.com/office/powerpoint/2012/main"/>
+    </p:ext>
+  </p:extLst>
 </p:presentation>
 </file>
 
@@ -3489,6 +3503,816 @@
 </p:sld>
 </file>
 
+<file path=ppt/slides/slide11.xml><?xml version="1.0" encoding="utf-8"?>
+<p:sld xmlns:a="http://schemas.openxmlformats.org/drawingml/2006/main" xmlns:r="http://schemas.openxmlformats.org/officeDocument/2006/relationships" xmlns:p="http://schemas.openxmlformats.org/presentationml/2006/main">
+  <p:cSld>
+    <p:spTree>
+      <p:nvGrpSpPr>
+        <p:cNvPr id="1" name=""/>
+        <p:cNvGrpSpPr/>
+        <p:nvPr/>
+      </p:nvGrpSpPr>
+      <p:grpSpPr>
+        <a:xfrm>
+          <a:off x="0" y="0"/>
+          <a:ext cx="0" cy="0"/>
+          <a:chOff x="0" y="0"/>
+          <a:chExt cx="0" cy="0"/>
+        </a:xfrm>
+      </p:grpSpPr>
+      <p:sp>
+        <p:nvSpPr>
+          <p:cNvPr id="2" name="Tytuł 1">
+            <a:extLst>
+              <a:ext uri="{FF2B5EF4-FFF2-40B4-BE49-F238E27FC236}">
+                <a16:creationId xmlns:a16="http://schemas.microsoft.com/office/drawing/2014/main" id="{7DA5001C-41CD-3C6C-5865-D6DC7DCAD177}"/>
+              </a:ext>
+            </a:extLst>
+          </p:cNvPr>
+          <p:cNvSpPr>
+            <a:spLocks noGrp="1"/>
+          </p:cNvSpPr>
+          <p:nvPr>
+            <p:ph type="title"/>
+          </p:nvPr>
+        </p:nvSpPr>
+        <p:spPr/>
+        <p:txBody>
+          <a:bodyPr/>
+          <a:lstStyle/>
+          <a:p>
+            <a:endParaRPr lang="pl-PL"/>
+          </a:p>
+        </p:txBody>
+      </p:sp>
+      <p:pic>
+        <p:nvPicPr>
+          <p:cNvPr id="5" name="Symbol zastępczy zawartości 4" descr="Obraz zawierający tekst, diagram, Wykres, zrzut ekranu&#10;&#10;Opis wygenerowany automatycznie">
+            <a:extLst>
+              <a:ext uri="{FF2B5EF4-FFF2-40B4-BE49-F238E27FC236}">
+                <a16:creationId xmlns:a16="http://schemas.microsoft.com/office/drawing/2014/main" id="{84D53C4C-260F-194C-6764-423711D3C55F}"/>
+              </a:ext>
+            </a:extLst>
+          </p:cNvPr>
+          <p:cNvPicPr>
+            <a:picLocks noGrp="1" noChangeAspect="1"/>
+          </p:cNvPicPr>
+          <p:nvPr>
+            <p:ph idx="1"/>
+          </p:nvPr>
+        </p:nvPicPr>
+        <p:blipFill>
+          <a:blip r:embed="rId2">
+            <a:extLst>
+              <a:ext uri="{28A0092B-C50C-407E-A947-70E740481C1C}">
+                <a14:useLocalDpi xmlns:a14="http://schemas.microsoft.com/office/drawing/2010/main" val="0"/>
+              </a:ext>
+            </a:extLst>
+          </a:blip>
+          <a:stretch>
+            <a:fillRect/>
+          </a:stretch>
+        </p:blipFill>
+        <p:spPr>
+          <a:xfrm>
+            <a:off x="1559019" y="523648"/>
+            <a:ext cx="9073961" cy="5810704"/>
+          </a:xfrm>
+        </p:spPr>
+      </p:pic>
+    </p:spTree>
+    <p:extLst>
+      <p:ext uri="{BB962C8B-B14F-4D97-AF65-F5344CB8AC3E}">
+        <p14:creationId xmlns:p14="http://schemas.microsoft.com/office/powerpoint/2010/main" val="472923999"/>
+      </p:ext>
+    </p:extLst>
+  </p:cSld>
+  <p:clrMapOvr>
+    <a:masterClrMapping/>
+  </p:clrMapOvr>
+</p:sld>
+</file>
+
+<file path=ppt/slides/slide12.xml><?xml version="1.0" encoding="utf-8"?>
+<p:sld xmlns:a="http://schemas.openxmlformats.org/drawingml/2006/main" xmlns:r="http://schemas.openxmlformats.org/officeDocument/2006/relationships" xmlns:p="http://schemas.openxmlformats.org/presentationml/2006/main">
+  <p:cSld>
+    <p:spTree>
+      <p:nvGrpSpPr>
+        <p:cNvPr id="1" name=""/>
+        <p:cNvGrpSpPr/>
+        <p:nvPr/>
+      </p:nvGrpSpPr>
+      <p:grpSpPr>
+        <a:xfrm>
+          <a:off x="0" y="0"/>
+          <a:ext cx="0" cy="0"/>
+          <a:chOff x="0" y="0"/>
+          <a:chExt cx="0" cy="0"/>
+        </a:xfrm>
+      </p:grpSpPr>
+      <p:sp>
+        <p:nvSpPr>
+          <p:cNvPr id="2" name="Tytuł 1">
+            <a:extLst>
+              <a:ext uri="{FF2B5EF4-FFF2-40B4-BE49-F238E27FC236}">
+                <a16:creationId xmlns:a16="http://schemas.microsoft.com/office/drawing/2014/main" id="{275E06BC-6896-7CDF-3381-8763FAAAA972}"/>
+              </a:ext>
+            </a:extLst>
+          </p:cNvPr>
+          <p:cNvSpPr>
+            <a:spLocks noGrp="1"/>
+          </p:cNvSpPr>
+          <p:nvPr>
+            <p:ph type="title"/>
+          </p:nvPr>
+        </p:nvSpPr>
+        <p:spPr/>
+        <p:txBody>
+          <a:bodyPr/>
+          <a:lstStyle/>
+          <a:p>
+            <a:endParaRPr lang="pl-PL"/>
+          </a:p>
+        </p:txBody>
+      </p:sp>
+      <p:pic>
+        <p:nvPicPr>
+          <p:cNvPr id="5" name="Symbol zastępczy zawartości 4" descr="Obraz zawierający tekst, diagram, Wykres, zrzut ekranu&#10;&#10;Opis wygenerowany automatycznie">
+            <a:extLst>
+              <a:ext uri="{FF2B5EF4-FFF2-40B4-BE49-F238E27FC236}">
+                <a16:creationId xmlns:a16="http://schemas.microsoft.com/office/drawing/2014/main" id="{B0E170C2-E564-EB48-CF51-12B3EE47AFC4}"/>
+              </a:ext>
+            </a:extLst>
+          </p:cNvPr>
+          <p:cNvPicPr>
+            <a:picLocks noGrp="1" noChangeAspect="1"/>
+          </p:cNvPicPr>
+          <p:nvPr>
+            <p:ph idx="1"/>
+          </p:nvPr>
+        </p:nvPicPr>
+        <p:blipFill>
+          <a:blip r:embed="rId2">
+            <a:extLst>
+              <a:ext uri="{28A0092B-C50C-407E-A947-70E740481C1C}">
+                <a14:useLocalDpi xmlns:a14="http://schemas.microsoft.com/office/drawing/2010/main" val="0"/>
+              </a:ext>
+            </a:extLst>
+          </a:blip>
+          <a:stretch>
+            <a:fillRect/>
+          </a:stretch>
+        </p:blipFill>
+        <p:spPr>
+          <a:xfrm>
+            <a:off x="1638853" y="574771"/>
+            <a:ext cx="8914294" cy="5708458"/>
+          </a:xfrm>
+        </p:spPr>
+      </p:pic>
+    </p:spTree>
+    <p:extLst>
+      <p:ext uri="{BB962C8B-B14F-4D97-AF65-F5344CB8AC3E}">
+        <p14:creationId xmlns:p14="http://schemas.microsoft.com/office/powerpoint/2010/main" val="2980368220"/>
+      </p:ext>
+    </p:extLst>
+  </p:cSld>
+  <p:clrMapOvr>
+    <a:masterClrMapping/>
+  </p:clrMapOvr>
+</p:sld>
+</file>
+
+<file path=ppt/slides/slide13.xml><?xml version="1.0" encoding="utf-8"?>
+<p:sld xmlns:a="http://schemas.openxmlformats.org/drawingml/2006/main" xmlns:r="http://schemas.openxmlformats.org/officeDocument/2006/relationships" xmlns:p="http://schemas.openxmlformats.org/presentationml/2006/main">
+  <p:cSld>
+    <p:spTree>
+      <p:nvGrpSpPr>
+        <p:cNvPr id="1" name=""/>
+        <p:cNvGrpSpPr/>
+        <p:nvPr/>
+      </p:nvGrpSpPr>
+      <p:grpSpPr>
+        <a:xfrm>
+          <a:off x="0" y="0"/>
+          <a:ext cx="0" cy="0"/>
+          <a:chOff x="0" y="0"/>
+          <a:chExt cx="0" cy="0"/>
+        </a:xfrm>
+      </p:grpSpPr>
+      <p:sp>
+        <p:nvSpPr>
+          <p:cNvPr id="2" name="Tytuł 1">
+            <a:extLst>
+              <a:ext uri="{FF2B5EF4-FFF2-40B4-BE49-F238E27FC236}">
+                <a16:creationId xmlns:a16="http://schemas.microsoft.com/office/drawing/2014/main" id="{77549189-C6BB-494E-2980-905595DF23CD}"/>
+              </a:ext>
+            </a:extLst>
+          </p:cNvPr>
+          <p:cNvSpPr>
+            <a:spLocks noGrp="1"/>
+          </p:cNvSpPr>
+          <p:nvPr>
+            <p:ph type="title"/>
+          </p:nvPr>
+        </p:nvSpPr>
+        <p:spPr/>
+        <p:txBody>
+          <a:bodyPr/>
+          <a:lstStyle/>
+          <a:p>
+            <a:endParaRPr lang="pl-PL"/>
+          </a:p>
+        </p:txBody>
+      </p:sp>
+      <p:pic>
+        <p:nvPicPr>
+          <p:cNvPr id="5" name="Symbol zastępczy zawartości 4" descr="Obraz zawierający tekst, diagram, Wykres, zrzut ekranu&#10;&#10;Opis wygenerowany automatycznie">
+            <a:extLst>
+              <a:ext uri="{FF2B5EF4-FFF2-40B4-BE49-F238E27FC236}">
+                <a16:creationId xmlns:a16="http://schemas.microsoft.com/office/drawing/2014/main" id="{2BDBD671-F795-1E71-4244-63653A5BA76F}"/>
+              </a:ext>
+            </a:extLst>
+          </p:cNvPr>
+          <p:cNvPicPr>
+            <a:picLocks noGrp="1" noChangeAspect="1"/>
+          </p:cNvPicPr>
+          <p:nvPr>
+            <p:ph idx="1"/>
+          </p:nvPr>
+        </p:nvPicPr>
+        <p:blipFill>
+          <a:blip r:embed="rId2">
+            <a:extLst>
+              <a:ext uri="{28A0092B-C50C-407E-A947-70E740481C1C}">
+                <a14:useLocalDpi xmlns:a14="http://schemas.microsoft.com/office/drawing/2010/main" val="0"/>
+              </a:ext>
+            </a:extLst>
+          </a:blip>
+          <a:stretch>
+            <a:fillRect/>
+          </a:stretch>
+        </p:blipFill>
+        <p:spPr>
+          <a:xfrm>
+            <a:off x="1715021" y="623547"/>
+            <a:ext cx="8761958" cy="5610906"/>
+          </a:xfrm>
+        </p:spPr>
+      </p:pic>
+    </p:spTree>
+    <p:extLst>
+      <p:ext uri="{BB962C8B-B14F-4D97-AF65-F5344CB8AC3E}">
+        <p14:creationId xmlns:p14="http://schemas.microsoft.com/office/powerpoint/2010/main" val="3909837423"/>
+      </p:ext>
+    </p:extLst>
+  </p:cSld>
+  <p:clrMapOvr>
+    <a:masterClrMapping/>
+  </p:clrMapOvr>
+</p:sld>
+</file>
+
+<file path=ppt/slides/slide14.xml><?xml version="1.0" encoding="utf-8"?>
+<p:sld xmlns:a="http://schemas.openxmlformats.org/drawingml/2006/main" xmlns:r="http://schemas.openxmlformats.org/officeDocument/2006/relationships" xmlns:p="http://schemas.openxmlformats.org/presentationml/2006/main">
+  <p:cSld>
+    <p:spTree>
+      <p:nvGrpSpPr>
+        <p:cNvPr id="1" name=""/>
+        <p:cNvGrpSpPr/>
+        <p:nvPr/>
+      </p:nvGrpSpPr>
+      <p:grpSpPr>
+        <a:xfrm>
+          <a:off x="0" y="0"/>
+          <a:ext cx="0" cy="0"/>
+          <a:chOff x="0" y="0"/>
+          <a:chExt cx="0" cy="0"/>
+        </a:xfrm>
+      </p:grpSpPr>
+      <p:sp>
+        <p:nvSpPr>
+          <p:cNvPr id="2" name="Tytuł 1">
+            <a:extLst>
+              <a:ext uri="{FF2B5EF4-FFF2-40B4-BE49-F238E27FC236}">
+                <a16:creationId xmlns:a16="http://schemas.microsoft.com/office/drawing/2014/main" id="{6BBC08CE-EFB1-58EA-A558-97C7B470FA0E}"/>
+              </a:ext>
+            </a:extLst>
+          </p:cNvPr>
+          <p:cNvSpPr>
+            <a:spLocks noGrp="1"/>
+          </p:cNvSpPr>
+          <p:nvPr>
+            <p:ph type="title"/>
+          </p:nvPr>
+        </p:nvSpPr>
+        <p:spPr/>
+        <p:txBody>
+          <a:bodyPr/>
+          <a:lstStyle/>
+          <a:p>
+            <a:endParaRPr lang="pl-PL"/>
+          </a:p>
+        </p:txBody>
+      </p:sp>
+      <p:pic>
+        <p:nvPicPr>
+          <p:cNvPr id="5" name="Symbol zastępczy zawartości 4" descr="Obraz zawierający tekst, zrzut ekranu, diagram, Wykres&#10;&#10;Opis wygenerowany automatycznie">
+            <a:extLst>
+              <a:ext uri="{FF2B5EF4-FFF2-40B4-BE49-F238E27FC236}">
+                <a16:creationId xmlns:a16="http://schemas.microsoft.com/office/drawing/2014/main" id="{A0BB1B67-8A31-50EB-1CAD-5AC9444465A2}"/>
+              </a:ext>
+            </a:extLst>
+          </p:cNvPr>
+          <p:cNvPicPr>
+            <a:picLocks noGrp="1" noChangeAspect="1"/>
+          </p:cNvPicPr>
+          <p:nvPr>
+            <p:ph idx="1"/>
+          </p:nvPr>
+        </p:nvPicPr>
+        <p:blipFill>
+          <a:blip r:embed="rId2">
+            <a:extLst>
+              <a:ext uri="{28A0092B-C50C-407E-A947-70E740481C1C}">
+                <a14:useLocalDpi xmlns:a14="http://schemas.microsoft.com/office/drawing/2010/main" val="0"/>
+              </a:ext>
+            </a:extLst>
+          </a:blip>
+          <a:stretch>
+            <a:fillRect/>
+          </a:stretch>
+        </p:blipFill>
+        <p:spPr>
+          <a:xfrm>
+            <a:off x="1857244" y="714622"/>
+            <a:ext cx="8477512" cy="5428755"/>
+          </a:xfrm>
+        </p:spPr>
+      </p:pic>
+    </p:spTree>
+    <p:extLst>
+      <p:ext uri="{BB962C8B-B14F-4D97-AF65-F5344CB8AC3E}">
+        <p14:creationId xmlns:p14="http://schemas.microsoft.com/office/powerpoint/2010/main" val="1136074135"/>
+      </p:ext>
+    </p:extLst>
+  </p:cSld>
+  <p:clrMapOvr>
+    <a:masterClrMapping/>
+  </p:clrMapOvr>
+</p:sld>
+</file>
+
+<file path=ppt/slides/slide15.xml><?xml version="1.0" encoding="utf-8"?>
+<p:sld xmlns:a="http://schemas.openxmlformats.org/drawingml/2006/main" xmlns:r="http://schemas.openxmlformats.org/officeDocument/2006/relationships" xmlns:p="http://schemas.openxmlformats.org/presentationml/2006/main">
+  <p:cSld>
+    <p:spTree>
+      <p:nvGrpSpPr>
+        <p:cNvPr id="1" name=""/>
+        <p:cNvGrpSpPr/>
+        <p:nvPr/>
+      </p:nvGrpSpPr>
+      <p:grpSpPr>
+        <a:xfrm>
+          <a:off x="0" y="0"/>
+          <a:ext cx="0" cy="0"/>
+          <a:chOff x="0" y="0"/>
+          <a:chExt cx="0" cy="0"/>
+        </a:xfrm>
+      </p:grpSpPr>
+      <p:sp>
+        <p:nvSpPr>
+          <p:cNvPr id="2" name="Tytuł 1">
+            <a:extLst>
+              <a:ext uri="{FF2B5EF4-FFF2-40B4-BE49-F238E27FC236}">
+                <a16:creationId xmlns:a16="http://schemas.microsoft.com/office/drawing/2014/main" id="{7BB98002-F88E-C86E-27B2-39B4B42EF1C8}"/>
+              </a:ext>
+            </a:extLst>
+          </p:cNvPr>
+          <p:cNvSpPr>
+            <a:spLocks noGrp="1"/>
+          </p:cNvSpPr>
+          <p:nvPr>
+            <p:ph type="title"/>
+          </p:nvPr>
+        </p:nvSpPr>
+        <p:spPr/>
+        <p:txBody>
+          <a:bodyPr/>
+          <a:lstStyle/>
+          <a:p>
+            <a:endParaRPr lang="pl-PL"/>
+          </a:p>
+        </p:txBody>
+      </p:sp>
+      <p:pic>
+        <p:nvPicPr>
+          <p:cNvPr id="5" name="Symbol zastępczy zawartości 4" descr="Obraz zawierający tekst, zrzut ekranu, żółty, Prostokąt&#10;&#10;Opis wygenerowany automatycznie">
+            <a:extLst>
+              <a:ext uri="{FF2B5EF4-FFF2-40B4-BE49-F238E27FC236}">
+                <a16:creationId xmlns:a16="http://schemas.microsoft.com/office/drawing/2014/main" id="{BF681D4B-164D-1EF3-7F3A-2513F76CE077}"/>
+              </a:ext>
+            </a:extLst>
+          </p:cNvPr>
+          <p:cNvPicPr>
+            <a:picLocks noGrp="1" noChangeAspect="1"/>
+          </p:cNvPicPr>
+          <p:nvPr>
+            <p:ph idx="1"/>
+          </p:nvPr>
+        </p:nvPicPr>
+        <p:blipFill>
+          <a:blip r:embed="rId2">
+            <a:extLst>
+              <a:ext uri="{28A0092B-C50C-407E-A947-70E740481C1C}">
+                <a14:useLocalDpi xmlns:a14="http://schemas.microsoft.com/office/drawing/2010/main" val="0"/>
+              </a:ext>
+            </a:extLst>
+          </a:blip>
+          <a:stretch>
+            <a:fillRect/>
+          </a:stretch>
+        </p:blipFill>
+        <p:spPr>
+          <a:xfrm>
+            <a:off x="1558134" y="523081"/>
+            <a:ext cx="9075732" cy="5811838"/>
+          </a:xfrm>
+        </p:spPr>
+      </p:pic>
+    </p:spTree>
+    <p:extLst>
+      <p:ext uri="{BB962C8B-B14F-4D97-AF65-F5344CB8AC3E}">
+        <p14:creationId xmlns:p14="http://schemas.microsoft.com/office/powerpoint/2010/main" val="4089451130"/>
+      </p:ext>
+    </p:extLst>
+  </p:cSld>
+  <p:clrMapOvr>
+    <a:masterClrMapping/>
+  </p:clrMapOvr>
+</p:sld>
+</file>
+
+<file path=ppt/slides/slide16.xml><?xml version="1.0" encoding="utf-8"?>
+<p:sld xmlns:a="http://schemas.openxmlformats.org/drawingml/2006/main" xmlns:r="http://schemas.openxmlformats.org/officeDocument/2006/relationships" xmlns:p="http://schemas.openxmlformats.org/presentationml/2006/main">
+  <p:cSld>
+    <p:spTree>
+      <p:nvGrpSpPr>
+        <p:cNvPr id="1" name=""/>
+        <p:cNvGrpSpPr/>
+        <p:nvPr/>
+      </p:nvGrpSpPr>
+      <p:grpSpPr>
+        <a:xfrm>
+          <a:off x="0" y="0"/>
+          <a:ext cx="0" cy="0"/>
+          <a:chOff x="0" y="0"/>
+          <a:chExt cx="0" cy="0"/>
+        </a:xfrm>
+      </p:grpSpPr>
+      <p:sp>
+        <p:nvSpPr>
+          <p:cNvPr id="2" name="Tytuł 1">
+            <a:extLst>
+              <a:ext uri="{FF2B5EF4-FFF2-40B4-BE49-F238E27FC236}">
+                <a16:creationId xmlns:a16="http://schemas.microsoft.com/office/drawing/2014/main" id="{142ABBF8-8C65-DFF2-8532-5C55F1EFB9EF}"/>
+              </a:ext>
+            </a:extLst>
+          </p:cNvPr>
+          <p:cNvSpPr>
+            <a:spLocks noGrp="1"/>
+          </p:cNvSpPr>
+          <p:nvPr>
+            <p:ph type="title"/>
+          </p:nvPr>
+        </p:nvSpPr>
+        <p:spPr/>
+        <p:txBody>
+          <a:bodyPr/>
+          <a:lstStyle/>
+          <a:p>
+            <a:endParaRPr lang="pl-PL"/>
+          </a:p>
+        </p:txBody>
+      </p:sp>
+      <p:pic>
+        <p:nvPicPr>
+          <p:cNvPr id="5" name="Symbol zastępczy zawartości 4" descr="Obraz zawierający tekst, zrzut ekranu, Wykres, diagram&#10;&#10;Opis wygenerowany automatycznie">
+            <a:extLst>
+              <a:ext uri="{FF2B5EF4-FFF2-40B4-BE49-F238E27FC236}">
+                <a16:creationId xmlns:a16="http://schemas.microsoft.com/office/drawing/2014/main" id="{EDF4F650-AEFD-B2A1-1360-3FDA905F2FCB}"/>
+              </a:ext>
+            </a:extLst>
+          </p:cNvPr>
+          <p:cNvPicPr>
+            <a:picLocks noGrp="1" noChangeAspect="1"/>
+          </p:cNvPicPr>
+          <p:nvPr>
+            <p:ph idx="1"/>
+          </p:nvPr>
+        </p:nvPicPr>
+        <p:blipFill>
+          <a:blip r:embed="rId2">
+            <a:extLst>
+              <a:ext uri="{28A0092B-C50C-407E-A947-70E740481C1C}">
+                <a14:useLocalDpi xmlns:a14="http://schemas.microsoft.com/office/drawing/2010/main" val="0"/>
+              </a:ext>
+            </a:extLst>
+          </a:blip>
+          <a:stretch>
+            <a:fillRect/>
+          </a:stretch>
+        </p:blipFill>
+        <p:spPr>
+          <a:xfrm>
+            <a:off x="1460834" y="466150"/>
+            <a:ext cx="9270331" cy="5925700"/>
+          </a:xfrm>
+        </p:spPr>
+      </p:pic>
+    </p:spTree>
+    <p:extLst>
+      <p:ext uri="{BB962C8B-B14F-4D97-AF65-F5344CB8AC3E}">
+        <p14:creationId xmlns:p14="http://schemas.microsoft.com/office/powerpoint/2010/main" val="3604126042"/>
+      </p:ext>
+    </p:extLst>
+  </p:cSld>
+  <p:clrMapOvr>
+    <a:masterClrMapping/>
+  </p:clrMapOvr>
+</p:sld>
+</file>
+
+<file path=ppt/slides/slide17.xml><?xml version="1.0" encoding="utf-8"?>
+<p:sld xmlns:a="http://schemas.openxmlformats.org/drawingml/2006/main" xmlns:r="http://schemas.openxmlformats.org/officeDocument/2006/relationships" xmlns:p="http://schemas.openxmlformats.org/presentationml/2006/main">
+  <p:cSld>
+    <p:spTree>
+      <p:nvGrpSpPr>
+        <p:cNvPr id="1" name=""/>
+        <p:cNvGrpSpPr/>
+        <p:nvPr/>
+      </p:nvGrpSpPr>
+      <p:grpSpPr>
+        <a:xfrm>
+          <a:off x="0" y="0"/>
+          <a:ext cx="0" cy="0"/>
+          <a:chOff x="0" y="0"/>
+          <a:chExt cx="0" cy="0"/>
+        </a:xfrm>
+      </p:grpSpPr>
+      <p:sp>
+        <p:nvSpPr>
+          <p:cNvPr id="2" name="Tytuł 1">
+            <a:extLst>
+              <a:ext uri="{FF2B5EF4-FFF2-40B4-BE49-F238E27FC236}">
+                <a16:creationId xmlns:a16="http://schemas.microsoft.com/office/drawing/2014/main" id="{812236A1-AA97-91DB-EC09-B723F6C35E88}"/>
+              </a:ext>
+            </a:extLst>
+          </p:cNvPr>
+          <p:cNvSpPr>
+            <a:spLocks noGrp="1"/>
+          </p:cNvSpPr>
+          <p:nvPr>
+            <p:ph type="title"/>
+          </p:nvPr>
+        </p:nvSpPr>
+        <p:spPr/>
+        <p:txBody>
+          <a:bodyPr/>
+          <a:lstStyle/>
+          <a:p>
+            <a:endParaRPr lang="pl-PL"/>
+          </a:p>
+        </p:txBody>
+      </p:sp>
+      <p:pic>
+        <p:nvPicPr>
+          <p:cNvPr id="5" name="Symbol zastępczy zawartości 4" descr="Obraz zawierający tekst, zrzut ekranu, Wykres, linia&#10;&#10;Opis wygenerowany automatycznie">
+            <a:extLst>
+              <a:ext uri="{FF2B5EF4-FFF2-40B4-BE49-F238E27FC236}">
+                <a16:creationId xmlns:a16="http://schemas.microsoft.com/office/drawing/2014/main" id="{77A312F0-A05F-8ACA-5AC1-DA8E3DC0AB48}"/>
+              </a:ext>
+            </a:extLst>
+          </p:cNvPr>
+          <p:cNvPicPr>
+            <a:picLocks noGrp="1" noChangeAspect="1"/>
+          </p:cNvPicPr>
+          <p:nvPr>
+            <p:ph idx="1"/>
+          </p:nvPr>
+        </p:nvPicPr>
+        <p:blipFill>
+          <a:blip r:embed="rId2">
+            <a:extLst>
+              <a:ext uri="{28A0092B-C50C-407E-A947-70E740481C1C}">
+                <a14:useLocalDpi xmlns:a14="http://schemas.microsoft.com/office/drawing/2010/main" val="0"/>
+              </a:ext>
+            </a:extLst>
+          </a:blip>
+          <a:stretch>
+            <a:fillRect/>
+          </a:stretch>
+        </p:blipFill>
+        <p:spPr>
+          <a:xfrm>
+            <a:off x="1092161" y="230490"/>
+            <a:ext cx="10007677" cy="6397020"/>
+          </a:xfrm>
+        </p:spPr>
+      </p:pic>
+    </p:spTree>
+    <p:extLst>
+      <p:ext uri="{BB962C8B-B14F-4D97-AF65-F5344CB8AC3E}">
+        <p14:creationId xmlns:p14="http://schemas.microsoft.com/office/powerpoint/2010/main" val="503464606"/>
+      </p:ext>
+    </p:extLst>
+  </p:cSld>
+  <p:clrMapOvr>
+    <a:masterClrMapping/>
+  </p:clrMapOvr>
+</p:sld>
+</file>
+
+<file path=ppt/slides/slide18.xml><?xml version="1.0" encoding="utf-8"?>
+<p:sld xmlns:a="http://schemas.openxmlformats.org/drawingml/2006/main" xmlns:r="http://schemas.openxmlformats.org/officeDocument/2006/relationships" xmlns:p="http://schemas.openxmlformats.org/presentationml/2006/main">
+  <p:cSld>
+    <p:spTree>
+      <p:nvGrpSpPr>
+        <p:cNvPr id="1" name=""/>
+        <p:cNvGrpSpPr/>
+        <p:nvPr/>
+      </p:nvGrpSpPr>
+      <p:grpSpPr>
+        <a:xfrm>
+          <a:off x="0" y="0"/>
+          <a:ext cx="0" cy="0"/>
+          <a:chOff x="0" y="0"/>
+          <a:chExt cx="0" cy="0"/>
+        </a:xfrm>
+      </p:grpSpPr>
+      <p:sp>
+        <p:nvSpPr>
+          <p:cNvPr id="2" name="Tytuł 1">
+            <a:extLst>
+              <a:ext uri="{FF2B5EF4-FFF2-40B4-BE49-F238E27FC236}">
+                <a16:creationId xmlns:a16="http://schemas.microsoft.com/office/drawing/2014/main" id="{9351676E-DE02-24BC-F020-5AB57C9D304D}"/>
+              </a:ext>
+            </a:extLst>
+          </p:cNvPr>
+          <p:cNvSpPr>
+            <a:spLocks noGrp="1"/>
+          </p:cNvSpPr>
+          <p:nvPr>
+            <p:ph type="title"/>
+          </p:nvPr>
+        </p:nvSpPr>
+        <p:spPr/>
+        <p:txBody>
+          <a:bodyPr/>
+          <a:lstStyle/>
+          <a:p>
+            <a:endParaRPr lang="pl-PL"/>
+          </a:p>
+        </p:txBody>
+      </p:sp>
+      <p:pic>
+        <p:nvPicPr>
+          <p:cNvPr id="5" name="Symbol zastępczy zawartości 4" descr="Obraz zawierający tekst, zrzut ekranu, diagram, Czcionka&#10;&#10;Opis wygenerowany automatycznie">
+            <a:extLst>
+              <a:ext uri="{FF2B5EF4-FFF2-40B4-BE49-F238E27FC236}">
+                <a16:creationId xmlns:a16="http://schemas.microsoft.com/office/drawing/2014/main" id="{0BFCDC9D-5141-E106-F977-24B3D3DF7112}"/>
+              </a:ext>
+            </a:extLst>
+          </p:cNvPr>
+          <p:cNvPicPr>
+            <a:picLocks noGrp="1" noChangeAspect="1"/>
+          </p:cNvPicPr>
+          <p:nvPr>
+            <p:ph idx="1"/>
+          </p:nvPr>
+        </p:nvPicPr>
+        <p:blipFill>
+          <a:blip r:embed="rId2">
+            <a:extLst>
+              <a:ext uri="{28A0092B-C50C-407E-A947-70E740481C1C}">
+                <a14:useLocalDpi xmlns:a14="http://schemas.microsoft.com/office/drawing/2010/main" val="0"/>
+              </a:ext>
+            </a:extLst>
+          </a:blip>
+          <a:stretch>
+            <a:fillRect/>
+          </a:stretch>
+        </p:blipFill>
+        <p:spPr>
+          <a:xfrm>
+            <a:off x="1384300" y="411763"/>
+            <a:ext cx="9423400" cy="6034474"/>
+          </a:xfrm>
+        </p:spPr>
+      </p:pic>
+    </p:spTree>
+    <p:extLst>
+      <p:ext uri="{BB962C8B-B14F-4D97-AF65-F5344CB8AC3E}">
+        <p14:creationId xmlns:p14="http://schemas.microsoft.com/office/powerpoint/2010/main" val="2056348725"/>
+      </p:ext>
+    </p:extLst>
+  </p:cSld>
+  <p:clrMapOvr>
+    <a:masterClrMapping/>
+  </p:clrMapOvr>
+</p:sld>
+</file>
+
+<file path=ppt/slides/slide19.xml><?xml version="1.0" encoding="utf-8"?>
+<p:sld xmlns:a="http://schemas.openxmlformats.org/drawingml/2006/main" xmlns:r="http://schemas.openxmlformats.org/officeDocument/2006/relationships" xmlns:p="http://schemas.openxmlformats.org/presentationml/2006/main">
+  <p:cSld>
+    <p:spTree>
+      <p:nvGrpSpPr>
+        <p:cNvPr id="1" name=""/>
+        <p:cNvGrpSpPr/>
+        <p:nvPr/>
+      </p:nvGrpSpPr>
+      <p:grpSpPr>
+        <a:xfrm>
+          <a:off x="0" y="0"/>
+          <a:ext cx="0" cy="0"/>
+          <a:chOff x="0" y="0"/>
+          <a:chExt cx="0" cy="0"/>
+        </a:xfrm>
+      </p:grpSpPr>
+      <p:sp>
+        <p:nvSpPr>
+          <p:cNvPr id="2" name="Tytuł 1">
+            <a:extLst>
+              <a:ext uri="{FF2B5EF4-FFF2-40B4-BE49-F238E27FC236}">
+                <a16:creationId xmlns:a16="http://schemas.microsoft.com/office/drawing/2014/main" id="{1B7F9CDA-721B-5B89-002B-7994EC1460F3}"/>
+              </a:ext>
+            </a:extLst>
+          </p:cNvPr>
+          <p:cNvSpPr>
+            <a:spLocks noGrp="1"/>
+          </p:cNvSpPr>
+          <p:nvPr>
+            <p:ph type="title"/>
+          </p:nvPr>
+        </p:nvSpPr>
+        <p:spPr/>
+        <p:txBody>
+          <a:bodyPr/>
+          <a:lstStyle/>
+          <a:p>
+            <a:endParaRPr lang="pl-PL"/>
+          </a:p>
+        </p:txBody>
+      </p:sp>
+      <p:pic>
+        <p:nvPicPr>
+          <p:cNvPr id="5" name="Symbol zastępczy zawartości 4" descr="Obraz zawierający tekst, zrzut ekranu, linia, Wykres&#10;&#10;Opis wygenerowany automatycznie">
+            <a:extLst>
+              <a:ext uri="{FF2B5EF4-FFF2-40B4-BE49-F238E27FC236}">
+                <a16:creationId xmlns:a16="http://schemas.microsoft.com/office/drawing/2014/main" id="{CF8956BD-03C1-347D-0487-BDAA4228DE9E}"/>
+              </a:ext>
+            </a:extLst>
+          </p:cNvPr>
+          <p:cNvPicPr>
+            <a:picLocks noGrp="1" noChangeAspect="1"/>
+          </p:cNvPicPr>
+          <p:nvPr>
+            <p:ph idx="1"/>
+          </p:nvPr>
+        </p:nvPicPr>
+        <p:blipFill>
+          <a:blip r:embed="rId2">
+            <a:extLst>
+              <a:ext uri="{28A0092B-C50C-407E-A947-70E740481C1C}">
+                <a14:useLocalDpi xmlns:a14="http://schemas.microsoft.com/office/drawing/2010/main" val="0"/>
+              </a:ext>
+            </a:extLst>
+          </a:blip>
+          <a:stretch>
+            <a:fillRect/>
+          </a:stretch>
+        </p:blipFill>
+        <p:spPr>
+          <a:xfrm>
+            <a:off x="1692356" y="609033"/>
+            <a:ext cx="8807288" cy="5639934"/>
+          </a:xfrm>
+        </p:spPr>
+      </p:pic>
+    </p:spTree>
+    <p:extLst>
+      <p:ext uri="{BB962C8B-B14F-4D97-AF65-F5344CB8AC3E}">
+        <p14:creationId xmlns:p14="http://schemas.microsoft.com/office/powerpoint/2010/main" val="673698329"/>
+      </p:ext>
+    </p:extLst>
+  </p:cSld>
+  <p:clrMapOvr>
+    <a:masterClrMapping/>
+  </p:clrMapOvr>
+</p:sld>
+</file>
+
 <file path=ppt/slides/slide2.xml><?xml version="1.0" encoding="utf-8"?>
 <p:sld xmlns:a="http://schemas.openxmlformats.org/drawingml/2006/main" xmlns:r="http://schemas.openxmlformats.org/officeDocument/2006/relationships" xmlns:p="http://schemas.openxmlformats.org/presentationml/2006/main">
   <p:cSld>
@@ -3527,35 +4351,7 @@
           <a:bodyPr/>
           <a:lstStyle/>
           <a:p>
-            <a:r>
-              <a:rPr lang="pl-PL" dirty="0"/>
-              <a:t>Ramki danych jakie analizowaliśmy</a:t>
-            </a:r>
-          </a:p>
-        </p:txBody>
-      </p:sp>
-      <p:sp>
-        <p:nvSpPr>
-          <p:cNvPr id="3" name="Symbol zastępczy zawartości 2">
-            <a:extLst>
-              <a:ext uri="{FF2B5EF4-FFF2-40B4-BE49-F238E27FC236}">
-                <a16:creationId xmlns:a16="http://schemas.microsoft.com/office/drawing/2014/main" id="{B47BEA26-2D29-DE0D-C93E-D30565AA8F23}"/>
-              </a:ext>
-            </a:extLst>
-          </p:cNvPr>
-          <p:cNvSpPr>
-            <a:spLocks noGrp="1"/>
-          </p:cNvSpPr>
-          <p:nvPr>
-            <p:ph idx="1"/>
-          </p:nvPr>
-        </p:nvSpPr>
-        <p:spPr/>
-        <p:txBody>
-          <a:bodyPr/>
-          <a:lstStyle/>
-          <a:p>
-            <a:endParaRPr lang="pl-PL"/>
+            <a:endParaRPr lang="pl-PL" dirty="0"/>
           </a:p>
         </p:txBody>
       </p:sp>
@@ -3581,8 +4377,40 @@
         </p:blipFill>
         <p:spPr>
           <a:xfrm>
-            <a:off x="273643" y="1825625"/>
+            <a:off x="273643" y="365125"/>
             <a:ext cx="11644713" cy="2394771"/>
+          </a:xfrm>
+          <a:prstGeom prst="rect">
+            <a:avLst/>
+          </a:prstGeom>
+        </p:spPr>
+      </p:pic>
+      <p:pic>
+        <p:nvPicPr>
+          <p:cNvPr id="4" name="Symbol zastępczy zawartości 3">
+            <a:extLst>
+              <a:ext uri="{FF2B5EF4-FFF2-40B4-BE49-F238E27FC236}">
+                <a16:creationId xmlns:a16="http://schemas.microsoft.com/office/drawing/2014/main" id="{942D4468-DF8D-CA61-2AFC-670F993FB33F}"/>
+              </a:ext>
+            </a:extLst>
+          </p:cNvPr>
+          <p:cNvPicPr>
+            <a:picLocks noGrp="1" noChangeAspect="1"/>
+          </p:cNvPicPr>
+          <p:nvPr>
+            <p:ph idx="1"/>
+          </p:nvPr>
+        </p:nvPicPr>
+        <p:blipFill>
+          <a:blip r:embed="rId3"/>
+          <a:stretch>
+            <a:fillRect/>
+          </a:stretch>
+        </p:blipFill>
+        <p:spPr>
+          <a:xfrm>
+            <a:off x="4601526" y="2759896"/>
+            <a:ext cx="2988946" cy="3465445"/>
           </a:xfrm>
           <a:prstGeom prst="rect">
             <a:avLst/>
@@ -3624,7 +4452,7 @@
           <p:cNvPr id="2" name="Tytuł 1">
             <a:extLst>
               <a:ext uri="{FF2B5EF4-FFF2-40B4-BE49-F238E27FC236}">
-                <a16:creationId xmlns:a16="http://schemas.microsoft.com/office/drawing/2014/main" id="{FCBA4684-15C8-E88F-2CA2-ABDC205ED531}"/>
+                <a16:creationId xmlns:a16="http://schemas.microsoft.com/office/drawing/2014/main" id="{A8EDCDC2-7070-F242-9FE1-7E1558F6D036}"/>
               </a:ext>
             </a:extLst>
           </p:cNvPr>
@@ -3640,10 +4468,7 @@
           <a:bodyPr/>
           <a:lstStyle/>
           <a:p>
-            <a:r>
-              <a:rPr lang="pl-PL" dirty="0"/>
-              <a:t>Jakie ramki danych?</a:t>
-            </a:r>
+            <a:endParaRPr lang="pl-PL"/>
           </a:p>
         </p:txBody>
       </p:sp>
@@ -3652,7 +4477,7 @@
           <p:cNvPr id="3" name="Symbol zastępczy zawartości 2">
             <a:extLst>
               <a:ext uri="{FF2B5EF4-FFF2-40B4-BE49-F238E27FC236}">
-                <a16:creationId xmlns:a16="http://schemas.microsoft.com/office/drawing/2014/main" id="{AB64B477-3807-4EAB-148A-8C7C46C715E5}"/>
+                <a16:creationId xmlns:a16="http://schemas.microsoft.com/office/drawing/2014/main" id="{5B613CB8-502B-C6EF-34FF-FE58C4E2EBED}"/>
               </a:ext>
             </a:extLst>
           </p:cNvPr>
@@ -3668,7 +4493,7 @@
           <a:bodyPr/>
           <a:lstStyle/>
           <a:p>
-            <a:endParaRPr lang="pl-PL" dirty="0"/>
+            <a:endParaRPr lang="pl-PL"/>
           </a:p>
         </p:txBody>
       </p:sp>
@@ -3677,7 +4502,7 @@
           <p:cNvPr id="5" name="Obraz 4">
             <a:extLst>
               <a:ext uri="{FF2B5EF4-FFF2-40B4-BE49-F238E27FC236}">
-                <a16:creationId xmlns:a16="http://schemas.microsoft.com/office/drawing/2014/main" id="{E08ED2A7-972B-E1F0-B46C-99FF6102165F}"/>
+                <a16:creationId xmlns:a16="http://schemas.microsoft.com/office/drawing/2014/main" id="{7B28C8BF-0083-25AB-0BB1-FCD4365FD173}"/>
               </a:ext>
             </a:extLst>
           </p:cNvPr>
@@ -3694,8 +4519,8 @@
         </p:blipFill>
         <p:spPr>
           <a:xfrm>
-            <a:off x="4086269" y="1671171"/>
-            <a:ext cx="4019461" cy="4660245"/>
+            <a:off x="439087" y="592591"/>
+            <a:ext cx="11313826" cy="5672818"/>
           </a:xfrm>
           <a:prstGeom prst="rect">
             <a:avLst/>
@@ -3705,7 +4530,7 @@
     </p:spTree>
     <p:extLst>
       <p:ext uri="{BB962C8B-B14F-4D97-AF65-F5344CB8AC3E}">
-        <p14:creationId xmlns:p14="http://schemas.microsoft.com/office/powerpoint/2010/main" val="1311598074"/>
+        <p14:creationId xmlns:p14="http://schemas.microsoft.com/office/powerpoint/2010/main" val="780700523"/>
       </p:ext>
     </p:extLst>
   </p:cSld>
@@ -3967,8 +4792,8 @@
         </p:blipFill>
         <p:spPr>
           <a:xfrm>
-            <a:off x="838200" y="498279"/>
-            <a:ext cx="10133726" cy="6359721"/>
+            <a:off x="923051" y="182562"/>
+            <a:ext cx="10345897" cy="6492875"/>
           </a:xfrm>
         </p:spPr>
       </p:pic>
@@ -4007,7 +4832,7 @@
           <p:cNvPr id="2" name="Tytuł 1">
             <a:extLst>
               <a:ext uri="{FF2B5EF4-FFF2-40B4-BE49-F238E27FC236}">
-                <a16:creationId xmlns:a16="http://schemas.microsoft.com/office/drawing/2014/main" id="{CBBD5132-0963-C503-B1DB-071D2C98D951}"/>
+                <a16:creationId xmlns:a16="http://schemas.microsoft.com/office/drawing/2014/main" id="{AE16881B-ED84-87B2-2F0F-50E25129D687}"/>
               </a:ext>
             </a:extLst>
           </p:cNvPr>
@@ -4029,10 +4854,10 @@
       </p:sp>
       <p:pic>
         <p:nvPicPr>
-          <p:cNvPr id="5" name="Symbol zastępczy zawartości 4" descr="Obraz zawierający tekst, diagram, zrzut ekranu, linia&#10;&#10;Opis wygenerowany automatycznie">
-            <a:extLst>
-              <a:ext uri="{FF2B5EF4-FFF2-40B4-BE49-F238E27FC236}">
-                <a16:creationId xmlns:a16="http://schemas.microsoft.com/office/drawing/2014/main" id="{BCC41293-94E2-87FB-523C-0FD89130BCE7}"/>
+          <p:cNvPr id="5" name="Symbol zastępczy zawartości 4" descr="Obraz zawierający tekst, diagram, Wykres, zrzut ekranu&#10;&#10;Opis wygenerowany automatycznie">
+            <a:extLst>
+              <a:ext uri="{FF2B5EF4-FFF2-40B4-BE49-F238E27FC236}">
+                <a16:creationId xmlns:a16="http://schemas.microsoft.com/office/drawing/2014/main" id="{6294C8E6-8A34-623B-FAE0-96F993929E91}"/>
               </a:ext>
             </a:extLst>
           </p:cNvPr>
@@ -4057,15 +4882,15 @@
         </p:blipFill>
         <p:spPr>
           <a:xfrm>
-            <a:off x="1806575" y="365125"/>
-            <a:ext cx="8578850" cy="6127750"/>
+            <a:off x="1611086" y="341960"/>
+            <a:ext cx="8643710" cy="6174079"/>
           </a:xfrm>
         </p:spPr>
       </p:pic>
     </p:spTree>
     <p:extLst>
       <p:ext uri="{BB962C8B-B14F-4D97-AF65-F5344CB8AC3E}">
-        <p14:creationId xmlns:p14="http://schemas.microsoft.com/office/powerpoint/2010/main" val="2836003982"/>
+        <p14:creationId xmlns:p14="http://schemas.microsoft.com/office/powerpoint/2010/main" val="2030467545"/>
       </p:ext>
     </p:extLst>
   </p:cSld>
@@ -4097,7 +4922,7 @@
           <p:cNvPr id="2" name="Tytuł 1">
             <a:extLst>
               <a:ext uri="{FF2B5EF4-FFF2-40B4-BE49-F238E27FC236}">
-                <a16:creationId xmlns:a16="http://schemas.microsoft.com/office/drawing/2014/main" id="{AE16881B-ED84-87B2-2F0F-50E25129D687}"/>
+                <a16:creationId xmlns:a16="http://schemas.microsoft.com/office/drawing/2014/main" id="{CBBD5132-0963-C503-B1DB-071D2C98D951}"/>
               </a:ext>
             </a:extLst>
           </p:cNvPr>
@@ -4119,10 +4944,10 @@
       </p:sp>
       <p:pic>
         <p:nvPicPr>
-          <p:cNvPr id="5" name="Symbol zastępczy zawartości 4" descr="Obraz zawierający tekst, diagram, Wykres, zrzut ekranu&#10;&#10;Opis wygenerowany automatycznie">
-            <a:extLst>
-              <a:ext uri="{FF2B5EF4-FFF2-40B4-BE49-F238E27FC236}">
-                <a16:creationId xmlns:a16="http://schemas.microsoft.com/office/drawing/2014/main" id="{6294C8E6-8A34-623B-FAE0-96F993929E91}"/>
+          <p:cNvPr id="5" name="Symbol zastępczy zawartości 4" descr="Obraz zawierający tekst, diagram, zrzut ekranu, linia&#10;&#10;Opis wygenerowany automatycznie">
+            <a:extLst>
+              <a:ext uri="{FF2B5EF4-FFF2-40B4-BE49-F238E27FC236}">
+                <a16:creationId xmlns:a16="http://schemas.microsoft.com/office/drawing/2014/main" id="{BCC41293-94E2-87FB-523C-0FD89130BCE7}"/>
               </a:ext>
             </a:extLst>
           </p:cNvPr>
@@ -4147,15 +4972,15 @@
         </p:blipFill>
         <p:spPr>
           <a:xfrm>
-            <a:off x="2055573" y="542981"/>
-            <a:ext cx="8080853" cy="5772038"/>
+            <a:off x="1806575" y="365125"/>
+            <a:ext cx="8578850" cy="6127750"/>
           </a:xfrm>
         </p:spPr>
       </p:pic>
     </p:spTree>
     <p:extLst>
       <p:ext uri="{BB962C8B-B14F-4D97-AF65-F5344CB8AC3E}">
-        <p14:creationId xmlns:p14="http://schemas.microsoft.com/office/powerpoint/2010/main" val="2030467545"/>
+        <p14:creationId xmlns:p14="http://schemas.microsoft.com/office/powerpoint/2010/main" val="2836003982"/>
       </p:ext>
     </p:extLst>
   </p:cSld>
